--- a/teaching/cs513slides/course conclusion.pptx
+++ b/teaching/cs513slides/course conclusion.pptx
@@ -109,6 +109,11 @@
       </a:defRPr>
     </a:lvl9pPr>
   </p:defaultTextStyle>
+  <p:extLst>
+    <p:ext uri="{EFAFB233-063F-42B5-8137-9DF3F51BA10A}">
+      <p15:sldGuideLst xmlns:p15="http://schemas.microsoft.com/office/powerpoint/2012/main"/>
+    </p:ext>
+  </p:extLst>
 </p:presentation>
 </file>
 
@@ -259,7 +264,7 @@
           <a:p>
             <a:fld id="{A41F1574-79AA-40EB-A4BE-E0EE698613FA}" type="datetimeFigureOut">
               <a:rPr lang="en-US" smtClean="0"/>
-              <a:t>10/19/2020</a:t>
+              <a:t>11/29/2021</a:t>
             </a:fld>
             <a:endParaRPr lang="en-US"/>
           </a:p>
@@ -457,7 +462,7 @@
           <a:p>
             <a:fld id="{A41F1574-79AA-40EB-A4BE-E0EE698613FA}" type="datetimeFigureOut">
               <a:rPr lang="en-US" smtClean="0"/>
-              <a:t>10/19/2020</a:t>
+              <a:t>11/29/2021</a:t>
             </a:fld>
             <a:endParaRPr lang="en-US"/>
           </a:p>
@@ -665,7 +670,7 @@
           <a:p>
             <a:fld id="{A41F1574-79AA-40EB-A4BE-E0EE698613FA}" type="datetimeFigureOut">
               <a:rPr lang="en-US" smtClean="0"/>
-              <a:t>10/19/2020</a:t>
+              <a:t>11/29/2021</a:t>
             </a:fld>
             <a:endParaRPr lang="en-US"/>
           </a:p>
@@ -877,7 +882,7 @@
           <p:nvPr userDrawn="1"/>
         </p:nvPicPr>
         <mc:AlternateContent xmlns:mc="http://schemas.openxmlformats.org/markup-compatibility/2006">
-          <mc:Choice xmlns="" xmlns:mv="urn:schemas-microsoft-com:mac:vml" xmlns:ma="http://schemas.microsoft.com/office/mac/drawingml/2008/main" Requires="ma">
+          <mc:Choice xmlns:ma="http://schemas.microsoft.com/office/mac/drawingml/2008/main" xmlns:mv="urn:schemas-microsoft-com:mac:vml" xmlns="" Requires="ma">
             <p:blipFill>
               <a:blip r:embed="rId3"/>
               <a:stretch>
@@ -1439,7 +1444,7 @@
           <a:p>
             <a:fld id="{A41F1574-79AA-40EB-A4BE-E0EE698613FA}" type="datetimeFigureOut">
               <a:rPr lang="en-US" smtClean="0"/>
-              <a:t>10/19/2020</a:t>
+              <a:t>11/29/2021</a:t>
             </a:fld>
             <a:endParaRPr lang="en-US"/>
           </a:p>
@@ -1714,7 +1719,7 @@
           <a:p>
             <a:fld id="{A41F1574-79AA-40EB-A4BE-E0EE698613FA}" type="datetimeFigureOut">
               <a:rPr lang="en-US" smtClean="0"/>
-              <a:t>10/19/2020</a:t>
+              <a:t>11/29/2021</a:t>
             </a:fld>
             <a:endParaRPr lang="en-US"/>
           </a:p>
@@ -1979,7 +1984,7 @@
           <a:p>
             <a:fld id="{A41F1574-79AA-40EB-A4BE-E0EE698613FA}" type="datetimeFigureOut">
               <a:rPr lang="en-US" smtClean="0"/>
-              <a:t>10/19/2020</a:t>
+              <a:t>11/29/2021</a:t>
             </a:fld>
             <a:endParaRPr lang="en-US"/>
           </a:p>
@@ -2391,7 +2396,7 @@
           <a:p>
             <a:fld id="{A41F1574-79AA-40EB-A4BE-E0EE698613FA}" type="datetimeFigureOut">
               <a:rPr lang="en-US" smtClean="0"/>
-              <a:t>10/19/2020</a:t>
+              <a:t>11/29/2021</a:t>
             </a:fld>
             <a:endParaRPr lang="en-US"/>
           </a:p>
@@ -2532,7 +2537,7 @@
           <a:p>
             <a:fld id="{A41F1574-79AA-40EB-A4BE-E0EE698613FA}" type="datetimeFigureOut">
               <a:rPr lang="en-US" smtClean="0"/>
-              <a:t>10/19/2020</a:t>
+              <a:t>11/29/2021</a:t>
             </a:fld>
             <a:endParaRPr lang="en-US"/>
           </a:p>
@@ -2645,7 +2650,7 @@
           <a:p>
             <a:fld id="{A41F1574-79AA-40EB-A4BE-E0EE698613FA}" type="datetimeFigureOut">
               <a:rPr lang="en-US" smtClean="0"/>
-              <a:t>10/19/2020</a:t>
+              <a:t>11/29/2021</a:t>
             </a:fld>
             <a:endParaRPr lang="en-US"/>
           </a:p>
@@ -2956,7 +2961,7 @@
           <a:p>
             <a:fld id="{A41F1574-79AA-40EB-A4BE-E0EE698613FA}" type="datetimeFigureOut">
               <a:rPr lang="en-US" smtClean="0"/>
-              <a:t>10/19/2020</a:t>
+              <a:t>11/29/2021</a:t>
             </a:fld>
             <a:endParaRPr lang="en-US"/>
           </a:p>
@@ -3244,7 +3249,7 @@
           <a:p>
             <a:fld id="{A41F1574-79AA-40EB-A4BE-E0EE698613FA}" type="datetimeFigureOut">
               <a:rPr lang="en-US" smtClean="0"/>
-              <a:t>10/19/2020</a:t>
+              <a:t>11/29/2021</a:t>
             </a:fld>
             <a:endParaRPr lang="en-US"/>
           </a:p>
@@ -3485,7 +3490,7 @@
           <a:p>
             <a:fld id="{A41F1574-79AA-40EB-A4BE-E0EE698613FA}" type="datetimeFigureOut">
               <a:rPr lang="en-US" smtClean="0"/>
-              <a:t>10/19/2020</a:t>
+              <a:t>11/29/2021</a:t>
             </a:fld>
             <a:endParaRPr lang="en-US"/>
           </a:p>
@@ -4180,7 +4185,7 @@
             <a:pPr lvl="1"/>
             <a:r>
               <a:rPr lang="en-US" dirty="0"/>
-              <a:t>Software synthesis using Temporal Logic-based approaches, reinforcement learning</a:t>
+              <a:t>Reinforcement learning, Learning from Demonstrations</a:t>
             </a:r>
           </a:p>
         </p:txBody>
@@ -4585,15 +4590,7 @@
           <a:p>
             <a:r>
               <a:rPr lang="en-US" dirty="0"/>
-              <a:t>Analyze its environment: model it as a dynamical system or a stochastic system (e.g. </a:t>
-            </a:r>
-            <a:r>
-              <a:rPr lang="en-US" dirty="0" err="1"/>
-              <a:t>PoMDPs</a:t>
-            </a:r>
-            <a:r>
-              <a:rPr lang="en-US" dirty="0"/>
-              <a:t>)</a:t>
+              <a:t>Analyze its environment: model it as a dynamical system or a stochastic system (e.g. MDPs/Partially Observable MDPs)</a:t>
             </a:r>
           </a:p>
           <a:p>
@@ -4766,10 +4763,10 @@
             </a:r>
           </a:p>
           <a:p>
-            <a:pPr lvl="2"/>
+            <a:pPr lvl="1"/>
             <a:r>
               <a:rPr lang="en-US" dirty="0"/>
-              <a:t>This step is a DO NOT MISS. It will provide documentation of your intent, and also a machine-checkable artifact</a:t>
+              <a:t>This step is a DO NOT MISS. It will document your intent and give a machine-checkable artifact</a:t>
             </a:r>
           </a:p>
           <a:p>
@@ -5148,7 +5145,7 @@
                   <a:prstClr val="black"/>
                 </a:solidFill>
               </a:rPr>
-              <a:t>Basics of Security and Communicating Autonomous CPS</a:t>
+              <a:t>Basics of Communicating Autonomous CPS</a:t>
             </a:r>
             <a:endParaRPr lang="en-US" sz="1400" dirty="0"/>
           </a:p>
@@ -5238,7 +5235,7 @@
           <a:p>
             <a:r>
               <a:rPr lang="en-US" dirty="0"/>
-              <a:t>It’s been a fun class</a:t>
+              <a:t>What we did in class</a:t>
             </a:r>
           </a:p>
         </p:txBody>
